--- a/3D FDTD modularization.pptx
+++ b/3D FDTD modularization.pptx
@@ -13,6 +13,8 @@
     <p:sldId id="262" r:id="rId10"/>
     <p:sldId id="263" r:id="rId11"/>
     <p:sldId id="264" r:id="rId12"/>
+    <p:sldId id="266" r:id="rId13"/>
+    <p:sldId id="265" r:id="rId14"/>
   </p:sldIdLst>
   <p:sldSz cx="12192000" cy="6858000"/>
   <p:notesSz cx="6858000" cy="9144000"/>
@@ -4470,6 +4472,144 @@
 </p:sld>
 </file>
 
+<file path=ppt/slides/slide10.xml><?xml version="1.0" encoding="utf-8"?>
+<p:sld xmlns:a="http://schemas.openxmlformats.org/drawingml/2006/main" xmlns:r="http://schemas.openxmlformats.org/officeDocument/2006/relationships" xmlns:p="http://schemas.openxmlformats.org/presentationml/2006/main">
+  <p:cSld>
+    <p:spTree>
+      <p:nvGrpSpPr>
+        <p:cNvPr id="1" name=""/>
+        <p:cNvGrpSpPr/>
+        <p:nvPr/>
+      </p:nvGrpSpPr>
+      <p:grpSpPr>
+        <a:xfrm>
+          <a:off x="0" y="0"/>
+          <a:ext cx="0" cy="0"/>
+          <a:chOff x="0" y="0"/>
+          <a:chExt cx="0" cy="0"/>
+        </a:xfrm>
+      </p:grpSpPr>
+      <p:sp>
+        <p:nvSpPr>
+          <p:cNvPr id="2" name="제목 1">
+            <a:extLst>
+              <a:ext uri="{FF2B5EF4-FFF2-40B4-BE49-F238E27FC236}">
+                <a16:creationId xmlns:a16="http://schemas.microsoft.com/office/drawing/2014/main" id="{F7DE7B42-0039-446B-9542-2BF4A152488F}"/>
+              </a:ext>
+            </a:extLst>
+          </p:cNvPr>
+          <p:cNvSpPr>
+            <a:spLocks noGrp="1"/>
+          </p:cNvSpPr>
+          <p:nvPr>
+            <p:ph type="title"/>
+          </p:nvPr>
+        </p:nvSpPr>
+        <p:spPr/>
+        <p:txBody>
+          <a:bodyPr/>
+          <a:lstStyle/>
+          <a:p>
+            <a:r>
+              <a:rPr lang="ko-KR" altLang="en-US" dirty="0"/>
+              <a:t>추후 진행 방향</a:t>
+            </a:r>
+          </a:p>
+        </p:txBody>
+      </p:sp>
+      <p:sp>
+        <p:nvSpPr>
+          <p:cNvPr id="3" name="TextBox 2">
+            <a:extLst>
+              <a:ext uri="{FF2B5EF4-FFF2-40B4-BE49-F238E27FC236}">
+                <a16:creationId xmlns:a16="http://schemas.microsoft.com/office/drawing/2014/main" id="{7901BD5B-1C47-4B3C-90D4-A5DA541A7EEF}"/>
+              </a:ext>
+            </a:extLst>
+          </p:cNvPr>
+          <p:cNvSpPr txBox="1"/>
+          <p:nvPr/>
+        </p:nvSpPr>
+        <p:spPr>
+          <a:xfrm>
+            <a:off x="922618" y="1861329"/>
+            <a:ext cx="7600425" cy="2308324"/>
+          </a:xfrm>
+          <a:prstGeom prst="rect">
+            <a:avLst/>
+          </a:prstGeom>
+          <a:noFill/>
+        </p:spPr>
+        <p:txBody>
+          <a:bodyPr wrap="square" rtlCol="0">
+            <a:spAutoFit/>
+          </a:bodyPr>
+          <a:lstStyle/>
+          <a:p>
+            <a:r>
+              <a:rPr lang="en-US" altLang="ko-KR" dirty="0"/>
+              <a:t>Inverse scattering </a:t>
+            </a:r>
+            <a:r>
+              <a:rPr lang="ko-KR" altLang="en-US" dirty="0"/>
+              <a:t>이론 공부</a:t>
+            </a:r>
+            <a:endParaRPr lang="en-US" altLang="ko-KR" dirty="0"/>
+          </a:p>
+          <a:p>
+            <a:endParaRPr lang="en-US" altLang="ko-KR" dirty="0"/>
+          </a:p>
+          <a:p>
+            <a:r>
+              <a:rPr lang="ko-KR" altLang="en-US" dirty="0"/>
+              <a:t>교수님 논문 구현 </a:t>
+            </a:r>
+            <a:r>
+              <a:rPr lang="en-US" altLang="ko-KR" dirty="0"/>
+              <a:t>/ </a:t>
+            </a:r>
+            <a:r>
+              <a:rPr lang="ko-KR" altLang="en-US" dirty="0"/>
+              <a:t>공부</a:t>
+            </a:r>
+            <a:endParaRPr lang="en-US" altLang="ko-KR" dirty="0"/>
+          </a:p>
+          <a:p>
+            <a:br>
+              <a:rPr lang="en-US" altLang="ko-KR" dirty="0"/>
+            </a:br>
+            <a:r>
+              <a:rPr lang="ko-KR" altLang="en-US" dirty="0"/>
+              <a:t>병렬 컴퓨팅 공부</a:t>
+            </a:r>
+            <a:endParaRPr lang="en-US" altLang="ko-KR" dirty="0"/>
+          </a:p>
+          <a:p>
+            <a:endParaRPr lang="en-US" altLang="ko-KR" dirty="0"/>
+          </a:p>
+          <a:p>
+            <a:r>
+              <a:rPr lang="en-US" altLang="ko-KR" dirty="0"/>
+              <a:t>Detector</a:t>
+            </a:r>
+          </a:p>
+          <a:p>
+            <a:endParaRPr lang="en-US" altLang="ko-KR" dirty="0"/>
+          </a:p>
+        </p:txBody>
+      </p:sp>
+    </p:spTree>
+    <p:extLst>
+      <p:ext uri="{BB962C8B-B14F-4D97-AF65-F5344CB8AC3E}">
+        <p14:creationId xmlns:p14="http://schemas.microsoft.com/office/powerpoint/2010/main" val="2331261025"/>
+      </p:ext>
+    </p:extLst>
+  </p:cSld>
+  <p:clrMapOvr>
+    <a:masterClrMapping/>
+  </p:clrMapOvr>
+</p:sld>
+</file>
+
 <file path=ppt/slides/slide2.xml><?xml version="1.0" encoding="utf-8"?>
 <p:sld xmlns:a="http://schemas.openxmlformats.org/drawingml/2006/main" xmlns:r="http://schemas.openxmlformats.org/officeDocument/2006/relationships" xmlns:p="http://schemas.openxmlformats.org/presentationml/2006/main">
   <p:cSld>
@@ -4649,7 +4789,7 @@
         </p:blipFill>
         <p:spPr>
           <a:xfrm>
-            <a:off x="7302597" y="2218887"/>
+            <a:off x="7388757" y="2218886"/>
             <a:ext cx="4803243" cy="3587232"/>
           </a:xfrm>
           <a:prstGeom prst="rect">
@@ -4953,7 +5093,7 @@
           <a:graphicData uri="http://schemas.openxmlformats.org/presentationml/2006/ole">
             <mc:AlternateContent xmlns:mc="http://schemas.openxmlformats.org/markup-compatibility/2006">
               <mc:Choice xmlns:v="urn:schemas-microsoft-com:vml" Requires="v">
-                <p:oleObj spid="_x0000_s2060" name="Equation" r:id="rId3" imgW="761760" imgH="228600" progId="Equation.DSMT4">
+                <p:oleObj spid="_x0000_s2068" name="Equation" r:id="rId3" imgW="761760" imgH="228600" progId="Equation.DSMT4">
                   <p:embed/>
                 </p:oleObj>
               </mc:Choice>
@@ -5124,7 +5264,7 @@
             <a:graphicData uri="http://schemas.openxmlformats.org/presentationml/2006/ole">
               <mc:AlternateContent xmlns:mc="http://schemas.openxmlformats.org/markup-compatibility/2006">
                 <mc:Choice xmlns:v="urn:schemas-microsoft-com:vml" Requires="v">
-                  <p:oleObj spid="_x0000_s2061" name="Equation" r:id="rId6" imgW="164880" imgH="139680" progId="Equation.DSMT4">
+                  <p:oleObj spid="_x0000_s2069" name="Equation" r:id="rId6" imgW="164880" imgH="139680" progId="Equation.DSMT4">
                     <p:embed/>
                   </p:oleObj>
                 </mc:Choice>
@@ -5766,7 +5906,7 @@
           <a:graphicData uri="http://schemas.openxmlformats.org/presentationml/2006/ole">
             <mc:AlternateContent xmlns:mc="http://schemas.openxmlformats.org/markup-compatibility/2006">
               <mc:Choice xmlns:v="urn:schemas-microsoft-com:vml" Requires="v">
-                <p:oleObj spid="_x0000_s3089" name="Equation" r:id="rId3" imgW="711000" imgH="228600" progId="Equation.DSMT4">
+                <p:oleObj spid="_x0000_s3101" name="Equation" r:id="rId3" imgW="711000" imgH="228600" progId="Equation.DSMT4">
                   <p:embed/>
                 </p:oleObj>
               </mc:Choice>
@@ -5829,7 +5969,7 @@
           <a:graphicData uri="http://schemas.openxmlformats.org/presentationml/2006/ole">
             <mc:AlternateContent xmlns:mc="http://schemas.openxmlformats.org/markup-compatibility/2006">
               <mc:Choice xmlns:v="urn:schemas-microsoft-com:vml" Requires="v">
-                <p:oleObj spid="_x0000_s3090" name="Equation" r:id="rId5" imgW="939600" imgH="228600" progId="Equation.DSMT4">
+                <p:oleObj spid="_x0000_s3102" name="Equation" r:id="rId5" imgW="939600" imgH="228600" progId="Equation.DSMT4">
                   <p:embed/>
                 </p:oleObj>
               </mc:Choice>
@@ -6044,7 +6184,7 @@
           <a:graphicData uri="http://schemas.openxmlformats.org/presentationml/2006/ole">
             <mc:AlternateContent xmlns:mc="http://schemas.openxmlformats.org/markup-compatibility/2006">
               <mc:Choice xmlns:v="urn:schemas-microsoft-com:vml" Requires="v">
-                <p:oleObj spid="_x0000_s3091" name="Equation" r:id="rId7" imgW="736560" imgH="177480" progId="Equation.DSMT4">
+                <p:oleObj spid="_x0000_s3103" name="Equation" r:id="rId7" imgW="736560" imgH="177480" progId="Equation.DSMT4">
                   <p:embed/>
                 </p:oleObj>
               </mc:Choice>
@@ -7100,7 +7240,7 @@
         </p:blipFill>
         <p:spPr>
           <a:xfrm>
-            <a:off x="0" y="3268596"/>
+            <a:off x="-128565" y="3221863"/>
             <a:ext cx="4697688" cy="3131792"/>
           </a:xfrm>
           <a:prstGeom prst="rect">
@@ -7136,8 +7276,916 @@
         </p:blipFill>
         <p:spPr>
           <a:xfrm>
-            <a:off x="3212735" y="3268596"/>
+            <a:off x="2731146" y="3221863"/>
             <a:ext cx="4697688" cy="3131792"/>
+          </a:xfrm>
+          <a:prstGeom prst="rect">
+            <a:avLst/>
+          </a:prstGeom>
+        </p:spPr>
+      </p:pic>
+      <p:cxnSp>
+        <p:nvCxnSpPr>
+          <p:cNvPr id="131" name="직선 연결선 130">
+            <a:extLst>
+              <a:ext uri="{FF2B5EF4-FFF2-40B4-BE49-F238E27FC236}">
+                <a16:creationId xmlns:a16="http://schemas.microsoft.com/office/drawing/2014/main" id="{FBC49DBE-B7B5-47CA-B762-BF094E099ADD}"/>
+              </a:ext>
+            </a:extLst>
+          </p:cNvPr>
+          <p:cNvCxnSpPr>
+            <a:cxnSpLocks/>
+          </p:cNvCxnSpPr>
+          <p:nvPr/>
+        </p:nvCxnSpPr>
+        <p:spPr>
+          <a:xfrm>
+            <a:off x="9451910" y="2646919"/>
+            <a:ext cx="0" cy="3706736"/>
+          </a:xfrm>
+          <a:prstGeom prst="line">
+            <a:avLst/>
+          </a:prstGeom>
+          <a:ln w="19050">
+            <a:solidFill>
+              <a:schemeClr val="tx1"/>
+            </a:solidFill>
+          </a:ln>
+        </p:spPr>
+        <p:style>
+          <a:lnRef idx="1">
+            <a:schemeClr val="accent1"/>
+          </a:lnRef>
+          <a:fillRef idx="0">
+            <a:schemeClr val="accent1"/>
+          </a:fillRef>
+          <a:effectRef idx="0">
+            <a:schemeClr val="accent1"/>
+          </a:effectRef>
+          <a:fontRef idx="minor">
+            <a:schemeClr val="tx1"/>
+          </a:fontRef>
+        </p:style>
+      </p:cxnSp>
+      <p:cxnSp>
+        <p:nvCxnSpPr>
+          <p:cNvPr id="132" name="직선 연결선 131">
+            <a:extLst>
+              <a:ext uri="{FF2B5EF4-FFF2-40B4-BE49-F238E27FC236}">
+                <a16:creationId xmlns:a16="http://schemas.microsoft.com/office/drawing/2014/main" id="{E5F46012-14E1-4DA4-A98F-E72E0BD72826}"/>
+              </a:ext>
+            </a:extLst>
+          </p:cNvPr>
+          <p:cNvCxnSpPr>
+            <a:cxnSpLocks/>
+          </p:cNvCxnSpPr>
+          <p:nvPr/>
+        </p:nvCxnSpPr>
+        <p:spPr>
+          <a:xfrm flipH="1">
+            <a:off x="7209453" y="4469363"/>
+            <a:ext cx="4484914" cy="0"/>
+          </a:xfrm>
+          <a:prstGeom prst="line">
+            <a:avLst/>
+          </a:prstGeom>
+          <a:ln w="19050">
+            <a:solidFill>
+              <a:schemeClr val="tx1"/>
+            </a:solidFill>
+          </a:ln>
+        </p:spPr>
+        <p:style>
+          <a:lnRef idx="1">
+            <a:schemeClr val="accent1"/>
+          </a:lnRef>
+          <a:fillRef idx="0">
+            <a:schemeClr val="accent1"/>
+          </a:fillRef>
+          <a:effectRef idx="0">
+            <a:schemeClr val="accent1"/>
+          </a:effectRef>
+          <a:fontRef idx="minor">
+            <a:schemeClr val="tx1"/>
+          </a:fontRef>
+        </p:style>
+      </p:cxnSp>
+      <p:cxnSp>
+        <p:nvCxnSpPr>
+          <p:cNvPr id="136" name="직선 연결선 135">
+            <a:extLst>
+              <a:ext uri="{FF2B5EF4-FFF2-40B4-BE49-F238E27FC236}">
+                <a16:creationId xmlns:a16="http://schemas.microsoft.com/office/drawing/2014/main" id="{2A171BAB-2F24-4684-AD61-5844017DA2BD}"/>
+              </a:ext>
+            </a:extLst>
+          </p:cNvPr>
+          <p:cNvCxnSpPr>
+            <a:cxnSpLocks/>
+          </p:cNvCxnSpPr>
+          <p:nvPr/>
+        </p:nvCxnSpPr>
+        <p:spPr>
+          <a:xfrm flipH="1">
+            <a:off x="7209453" y="4920343"/>
+            <a:ext cx="4484914" cy="0"/>
+          </a:xfrm>
+          <a:prstGeom prst="line">
+            <a:avLst/>
+          </a:prstGeom>
+          <a:ln w="12700">
+            <a:solidFill>
+              <a:schemeClr val="tx1"/>
+            </a:solidFill>
+          </a:ln>
+        </p:spPr>
+        <p:style>
+          <a:lnRef idx="1">
+            <a:schemeClr val="accent1"/>
+          </a:lnRef>
+          <a:fillRef idx="0">
+            <a:schemeClr val="accent1"/>
+          </a:fillRef>
+          <a:effectRef idx="0">
+            <a:schemeClr val="accent1"/>
+          </a:effectRef>
+          <a:fontRef idx="minor">
+            <a:schemeClr val="tx1"/>
+          </a:fontRef>
+        </p:style>
+      </p:cxnSp>
+      <p:cxnSp>
+        <p:nvCxnSpPr>
+          <p:cNvPr id="137" name="직선 연결선 136">
+            <a:extLst>
+              <a:ext uri="{FF2B5EF4-FFF2-40B4-BE49-F238E27FC236}">
+                <a16:creationId xmlns:a16="http://schemas.microsoft.com/office/drawing/2014/main" id="{5CCE01AB-01F7-4E39-8ACF-DDC8D1CC5DB8}"/>
+              </a:ext>
+            </a:extLst>
+          </p:cNvPr>
+          <p:cNvCxnSpPr>
+            <a:cxnSpLocks/>
+          </p:cNvCxnSpPr>
+          <p:nvPr/>
+        </p:nvCxnSpPr>
+        <p:spPr>
+          <a:xfrm flipH="1">
+            <a:off x="7209453" y="5352661"/>
+            <a:ext cx="4484914" cy="0"/>
+          </a:xfrm>
+          <a:prstGeom prst="line">
+            <a:avLst/>
+          </a:prstGeom>
+          <a:ln w="12700">
+            <a:solidFill>
+              <a:schemeClr val="tx1"/>
+            </a:solidFill>
+          </a:ln>
+        </p:spPr>
+        <p:style>
+          <a:lnRef idx="1">
+            <a:schemeClr val="accent1"/>
+          </a:lnRef>
+          <a:fillRef idx="0">
+            <a:schemeClr val="accent1"/>
+          </a:fillRef>
+          <a:effectRef idx="0">
+            <a:schemeClr val="accent1"/>
+          </a:effectRef>
+          <a:fontRef idx="minor">
+            <a:schemeClr val="tx1"/>
+          </a:fontRef>
+        </p:style>
+      </p:cxnSp>
+      <p:cxnSp>
+        <p:nvCxnSpPr>
+          <p:cNvPr id="138" name="직선 연결선 137">
+            <a:extLst>
+              <a:ext uri="{FF2B5EF4-FFF2-40B4-BE49-F238E27FC236}">
+                <a16:creationId xmlns:a16="http://schemas.microsoft.com/office/drawing/2014/main" id="{65E2DA41-9C4B-4C93-BC08-FC6926BB4C85}"/>
+              </a:ext>
+            </a:extLst>
+          </p:cNvPr>
+          <p:cNvCxnSpPr>
+            <a:cxnSpLocks/>
+          </p:cNvCxnSpPr>
+          <p:nvPr/>
+        </p:nvCxnSpPr>
+        <p:spPr>
+          <a:xfrm flipH="1">
+            <a:off x="7209453" y="5812972"/>
+            <a:ext cx="4484914" cy="0"/>
+          </a:xfrm>
+          <a:prstGeom prst="line">
+            <a:avLst/>
+          </a:prstGeom>
+          <a:ln w="12700">
+            <a:solidFill>
+              <a:schemeClr val="tx1"/>
+            </a:solidFill>
+          </a:ln>
+        </p:spPr>
+        <p:style>
+          <a:lnRef idx="1">
+            <a:schemeClr val="accent1"/>
+          </a:lnRef>
+          <a:fillRef idx="0">
+            <a:schemeClr val="accent1"/>
+          </a:fillRef>
+          <a:effectRef idx="0">
+            <a:schemeClr val="accent1"/>
+          </a:effectRef>
+          <a:fontRef idx="minor">
+            <a:schemeClr val="tx1"/>
+          </a:fontRef>
+        </p:style>
+      </p:cxnSp>
+      <p:cxnSp>
+        <p:nvCxnSpPr>
+          <p:cNvPr id="139" name="직선 연결선 138">
+            <a:extLst>
+              <a:ext uri="{FF2B5EF4-FFF2-40B4-BE49-F238E27FC236}">
+                <a16:creationId xmlns:a16="http://schemas.microsoft.com/office/drawing/2014/main" id="{2F505C06-40B2-4AA6-B6B6-3780175891D8}"/>
+              </a:ext>
+            </a:extLst>
+          </p:cNvPr>
+          <p:cNvCxnSpPr>
+            <a:cxnSpLocks/>
+          </p:cNvCxnSpPr>
+          <p:nvPr/>
+        </p:nvCxnSpPr>
+        <p:spPr>
+          <a:xfrm flipH="1">
+            <a:off x="7209453" y="6245286"/>
+            <a:ext cx="4484914" cy="0"/>
+          </a:xfrm>
+          <a:prstGeom prst="line">
+            <a:avLst/>
+          </a:prstGeom>
+          <a:ln w="12700">
+            <a:solidFill>
+              <a:schemeClr val="tx1"/>
+            </a:solidFill>
+          </a:ln>
+        </p:spPr>
+        <p:style>
+          <a:lnRef idx="1">
+            <a:schemeClr val="accent1"/>
+          </a:lnRef>
+          <a:fillRef idx="0">
+            <a:schemeClr val="accent1"/>
+          </a:fillRef>
+          <a:effectRef idx="0">
+            <a:schemeClr val="accent1"/>
+          </a:effectRef>
+          <a:fontRef idx="minor">
+            <a:schemeClr val="tx1"/>
+          </a:fontRef>
+        </p:style>
+      </p:cxnSp>
+      <p:cxnSp>
+        <p:nvCxnSpPr>
+          <p:cNvPr id="140" name="직선 연결선 139">
+            <a:extLst>
+              <a:ext uri="{FF2B5EF4-FFF2-40B4-BE49-F238E27FC236}">
+                <a16:creationId xmlns:a16="http://schemas.microsoft.com/office/drawing/2014/main" id="{9F97873B-0285-4CA4-A45A-FFC0F0C355D8}"/>
+              </a:ext>
+            </a:extLst>
+          </p:cNvPr>
+          <p:cNvCxnSpPr>
+            <a:cxnSpLocks/>
+          </p:cNvCxnSpPr>
+          <p:nvPr/>
+        </p:nvCxnSpPr>
+        <p:spPr>
+          <a:xfrm flipH="1">
+            <a:off x="7209453" y="2646919"/>
+            <a:ext cx="4484914" cy="0"/>
+          </a:xfrm>
+          <a:prstGeom prst="line">
+            <a:avLst/>
+          </a:prstGeom>
+          <a:ln w="12700">
+            <a:solidFill>
+              <a:schemeClr val="tx1"/>
+            </a:solidFill>
+          </a:ln>
+        </p:spPr>
+        <p:style>
+          <a:lnRef idx="1">
+            <a:schemeClr val="accent1"/>
+          </a:lnRef>
+          <a:fillRef idx="0">
+            <a:schemeClr val="accent1"/>
+          </a:fillRef>
+          <a:effectRef idx="0">
+            <a:schemeClr val="accent1"/>
+          </a:effectRef>
+          <a:fontRef idx="minor">
+            <a:schemeClr val="tx1"/>
+          </a:fontRef>
+        </p:style>
+      </p:cxnSp>
+      <p:cxnSp>
+        <p:nvCxnSpPr>
+          <p:cNvPr id="141" name="직선 연결선 140">
+            <a:extLst>
+              <a:ext uri="{FF2B5EF4-FFF2-40B4-BE49-F238E27FC236}">
+                <a16:creationId xmlns:a16="http://schemas.microsoft.com/office/drawing/2014/main" id="{C6955AC1-0679-46E1-BC0B-1FE0C833BFC7}"/>
+              </a:ext>
+            </a:extLst>
+          </p:cNvPr>
+          <p:cNvCxnSpPr>
+            <a:cxnSpLocks/>
+          </p:cNvCxnSpPr>
+          <p:nvPr/>
+        </p:nvCxnSpPr>
+        <p:spPr>
+          <a:xfrm flipH="1">
+            <a:off x="7209453" y="3060435"/>
+            <a:ext cx="4484914" cy="0"/>
+          </a:xfrm>
+          <a:prstGeom prst="line">
+            <a:avLst/>
+          </a:prstGeom>
+          <a:ln w="12700">
+            <a:solidFill>
+              <a:schemeClr val="tx1"/>
+            </a:solidFill>
+          </a:ln>
+        </p:spPr>
+        <p:style>
+          <a:lnRef idx="1">
+            <a:schemeClr val="accent1"/>
+          </a:lnRef>
+          <a:fillRef idx="0">
+            <a:schemeClr val="accent1"/>
+          </a:fillRef>
+          <a:effectRef idx="0">
+            <a:schemeClr val="accent1"/>
+          </a:effectRef>
+          <a:fontRef idx="minor">
+            <a:schemeClr val="tx1"/>
+          </a:fontRef>
+        </p:style>
+      </p:cxnSp>
+      <p:cxnSp>
+        <p:nvCxnSpPr>
+          <p:cNvPr id="142" name="직선 연결선 141">
+            <a:extLst>
+              <a:ext uri="{FF2B5EF4-FFF2-40B4-BE49-F238E27FC236}">
+                <a16:creationId xmlns:a16="http://schemas.microsoft.com/office/drawing/2014/main" id="{E1084317-7DAC-486A-89C3-7719E3A8267B}"/>
+              </a:ext>
+            </a:extLst>
+          </p:cNvPr>
+          <p:cNvCxnSpPr>
+            <a:cxnSpLocks/>
+          </p:cNvCxnSpPr>
+          <p:nvPr/>
+        </p:nvCxnSpPr>
+        <p:spPr>
+          <a:xfrm flipH="1">
+            <a:off x="7209453" y="3539408"/>
+            <a:ext cx="4484914" cy="0"/>
+          </a:xfrm>
+          <a:prstGeom prst="line">
+            <a:avLst/>
+          </a:prstGeom>
+          <a:ln w="12700">
+            <a:solidFill>
+              <a:schemeClr val="tx1"/>
+            </a:solidFill>
+          </a:ln>
+        </p:spPr>
+        <p:style>
+          <a:lnRef idx="1">
+            <a:schemeClr val="accent1"/>
+          </a:lnRef>
+          <a:fillRef idx="0">
+            <a:schemeClr val="accent1"/>
+          </a:fillRef>
+          <a:effectRef idx="0">
+            <a:schemeClr val="accent1"/>
+          </a:effectRef>
+          <a:fontRef idx="minor">
+            <a:schemeClr val="tx1"/>
+          </a:fontRef>
+        </p:style>
+      </p:cxnSp>
+      <p:cxnSp>
+        <p:nvCxnSpPr>
+          <p:cNvPr id="143" name="직선 연결선 142">
+            <a:extLst>
+              <a:ext uri="{FF2B5EF4-FFF2-40B4-BE49-F238E27FC236}">
+                <a16:creationId xmlns:a16="http://schemas.microsoft.com/office/drawing/2014/main" id="{3D4F2794-505C-4B66-9748-955F88885D56}"/>
+              </a:ext>
+            </a:extLst>
+          </p:cNvPr>
+          <p:cNvCxnSpPr>
+            <a:cxnSpLocks/>
+          </p:cNvCxnSpPr>
+          <p:nvPr/>
+        </p:nvCxnSpPr>
+        <p:spPr>
+          <a:xfrm flipH="1">
+            <a:off x="7209453" y="3971726"/>
+            <a:ext cx="4484914" cy="0"/>
+          </a:xfrm>
+          <a:prstGeom prst="line">
+            <a:avLst/>
+          </a:prstGeom>
+          <a:ln w="12700">
+            <a:solidFill>
+              <a:schemeClr val="tx1"/>
+            </a:solidFill>
+          </a:ln>
+        </p:spPr>
+        <p:style>
+          <a:lnRef idx="1">
+            <a:schemeClr val="accent1"/>
+          </a:lnRef>
+          <a:fillRef idx="0">
+            <a:schemeClr val="accent1"/>
+          </a:fillRef>
+          <a:effectRef idx="0">
+            <a:schemeClr val="accent1"/>
+          </a:effectRef>
+          <a:fontRef idx="minor">
+            <a:schemeClr val="tx1"/>
+          </a:fontRef>
+        </p:style>
+      </p:cxnSp>
+      <p:cxnSp>
+        <p:nvCxnSpPr>
+          <p:cNvPr id="156" name="직선 연결선 155">
+            <a:extLst>
+              <a:ext uri="{FF2B5EF4-FFF2-40B4-BE49-F238E27FC236}">
+                <a16:creationId xmlns:a16="http://schemas.microsoft.com/office/drawing/2014/main" id="{0712A50A-6B21-4AA0-9833-52E4C44311C7}"/>
+              </a:ext>
+            </a:extLst>
+          </p:cNvPr>
+          <p:cNvCxnSpPr>
+            <a:cxnSpLocks/>
+          </p:cNvCxnSpPr>
+          <p:nvPr/>
+        </p:nvCxnSpPr>
+        <p:spPr>
+          <a:xfrm>
+            <a:off x="9902890" y="2646919"/>
+            <a:ext cx="0" cy="3706736"/>
+          </a:xfrm>
+          <a:prstGeom prst="line">
+            <a:avLst/>
+          </a:prstGeom>
+          <a:ln w="12700">
+            <a:solidFill>
+              <a:schemeClr val="tx1"/>
+            </a:solidFill>
+          </a:ln>
+        </p:spPr>
+        <p:style>
+          <a:lnRef idx="1">
+            <a:schemeClr val="accent1"/>
+          </a:lnRef>
+          <a:fillRef idx="0">
+            <a:schemeClr val="accent1"/>
+          </a:fillRef>
+          <a:effectRef idx="0">
+            <a:schemeClr val="accent1"/>
+          </a:effectRef>
+          <a:fontRef idx="minor">
+            <a:schemeClr val="tx1"/>
+          </a:fontRef>
+        </p:style>
+      </p:cxnSp>
+      <p:cxnSp>
+        <p:nvCxnSpPr>
+          <p:cNvPr id="157" name="직선 연결선 156">
+            <a:extLst>
+              <a:ext uri="{FF2B5EF4-FFF2-40B4-BE49-F238E27FC236}">
+                <a16:creationId xmlns:a16="http://schemas.microsoft.com/office/drawing/2014/main" id="{B4265556-E62F-4177-8831-42810C468A9D}"/>
+              </a:ext>
+            </a:extLst>
+          </p:cNvPr>
+          <p:cNvCxnSpPr>
+            <a:cxnSpLocks/>
+          </p:cNvCxnSpPr>
+          <p:nvPr/>
+        </p:nvCxnSpPr>
+        <p:spPr>
+          <a:xfrm>
+            <a:off x="10353870" y="2637588"/>
+            <a:ext cx="0" cy="3706736"/>
+          </a:xfrm>
+          <a:prstGeom prst="line">
+            <a:avLst/>
+          </a:prstGeom>
+          <a:ln w="12700">
+            <a:solidFill>
+              <a:schemeClr val="tx1"/>
+            </a:solidFill>
+          </a:ln>
+        </p:spPr>
+        <p:style>
+          <a:lnRef idx="1">
+            <a:schemeClr val="accent1"/>
+          </a:lnRef>
+          <a:fillRef idx="0">
+            <a:schemeClr val="accent1"/>
+          </a:fillRef>
+          <a:effectRef idx="0">
+            <a:schemeClr val="accent1"/>
+          </a:effectRef>
+          <a:fontRef idx="minor">
+            <a:schemeClr val="tx1"/>
+          </a:fontRef>
+        </p:style>
+      </p:cxnSp>
+      <p:cxnSp>
+        <p:nvCxnSpPr>
+          <p:cNvPr id="158" name="직선 연결선 157">
+            <a:extLst>
+              <a:ext uri="{FF2B5EF4-FFF2-40B4-BE49-F238E27FC236}">
+                <a16:creationId xmlns:a16="http://schemas.microsoft.com/office/drawing/2014/main" id="{B0240C5C-AEA8-42D2-8A43-E25FD921ED29}"/>
+              </a:ext>
+            </a:extLst>
+          </p:cNvPr>
+          <p:cNvCxnSpPr>
+            <a:cxnSpLocks/>
+          </p:cNvCxnSpPr>
+          <p:nvPr/>
+        </p:nvCxnSpPr>
+        <p:spPr>
+          <a:xfrm>
+            <a:off x="10814181" y="2637588"/>
+            <a:ext cx="0" cy="3706736"/>
+          </a:xfrm>
+          <a:prstGeom prst="line">
+            <a:avLst/>
+          </a:prstGeom>
+          <a:ln w="12700">
+            <a:solidFill>
+              <a:schemeClr val="tx1"/>
+            </a:solidFill>
+          </a:ln>
+        </p:spPr>
+        <p:style>
+          <a:lnRef idx="1">
+            <a:schemeClr val="accent1"/>
+          </a:lnRef>
+          <a:fillRef idx="0">
+            <a:schemeClr val="accent1"/>
+          </a:fillRef>
+          <a:effectRef idx="0">
+            <a:schemeClr val="accent1"/>
+          </a:effectRef>
+          <a:fontRef idx="minor">
+            <a:schemeClr val="tx1"/>
+          </a:fontRef>
+        </p:style>
+      </p:cxnSp>
+      <p:cxnSp>
+        <p:nvCxnSpPr>
+          <p:cNvPr id="159" name="직선 연결선 158">
+            <a:extLst>
+              <a:ext uri="{FF2B5EF4-FFF2-40B4-BE49-F238E27FC236}">
+                <a16:creationId xmlns:a16="http://schemas.microsoft.com/office/drawing/2014/main" id="{CE0AEBC9-FDC2-4F22-BA37-EE2A85D2EDB2}"/>
+              </a:ext>
+            </a:extLst>
+          </p:cNvPr>
+          <p:cNvCxnSpPr>
+            <a:cxnSpLocks/>
+          </p:cNvCxnSpPr>
+          <p:nvPr/>
+        </p:nvCxnSpPr>
+        <p:spPr>
+          <a:xfrm>
+            <a:off x="11293154" y="2637588"/>
+            <a:ext cx="0" cy="3706736"/>
+          </a:xfrm>
+          <a:prstGeom prst="line">
+            <a:avLst/>
+          </a:prstGeom>
+          <a:ln w="12700">
+            <a:solidFill>
+              <a:schemeClr val="tx1"/>
+            </a:solidFill>
+          </a:ln>
+        </p:spPr>
+        <p:style>
+          <a:lnRef idx="1">
+            <a:schemeClr val="accent1"/>
+          </a:lnRef>
+          <a:fillRef idx="0">
+            <a:schemeClr val="accent1"/>
+          </a:fillRef>
+          <a:effectRef idx="0">
+            <a:schemeClr val="accent1"/>
+          </a:effectRef>
+          <a:fontRef idx="minor">
+            <a:schemeClr val="tx1"/>
+          </a:fontRef>
+        </p:style>
+      </p:cxnSp>
+      <p:cxnSp>
+        <p:nvCxnSpPr>
+          <p:cNvPr id="160" name="직선 연결선 159">
+            <a:extLst>
+              <a:ext uri="{FF2B5EF4-FFF2-40B4-BE49-F238E27FC236}">
+                <a16:creationId xmlns:a16="http://schemas.microsoft.com/office/drawing/2014/main" id="{2A8C2BB7-E6B6-4FD5-9513-7E7AFF13A533}"/>
+              </a:ext>
+            </a:extLst>
+          </p:cNvPr>
+          <p:cNvCxnSpPr>
+            <a:cxnSpLocks/>
+          </p:cNvCxnSpPr>
+          <p:nvPr/>
+        </p:nvCxnSpPr>
+        <p:spPr>
+          <a:xfrm>
+            <a:off x="7545356" y="2634657"/>
+            <a:ext cx="0" cy="3706736"/>
+          </a:xfrm>
+          <a:prstGeom prst="line">
+            <a:avLst/>
+          </a:prstGeom>
+          <a:ln w="12700">
+            <a:solidFill>
+              <a:schemeClr val="tx1"/>
+            </a:solidFill>
+          </a:ln>
+        </p:spPr>
+        <p:style>
+          <a:lnRef idx="1">
+            <a:schemeClr val="accent1"/>
+          </a:lnRef>
+          <a:fillRef idx="0">
+            <a:schemeClr val="accent1"/>
+          </a:fillRef>
+          <a:effectRef idx="0">
+            <a:schemeClr val="accent1"/>
+          </a:effectRef>
+          <a:fontRef idx="minor">
+            <a:schemeClr val="tx1"/>
+          </a:fontRef>
+        </p:style>
+      </p:cxnSp>
+      <p:cxnSp>
+        <p:nvCxnSpPr>
+          <p:cNvPr id="161" name="직선 연결선 160">
+            <a:extLst>
+              <a:ext uri="{FF2B5EF4-FFF2-40B4-BE49-F238E27FC236}">
+                <a16:creationId xmlns:a16="http://schemas.microsoft.com/office/drawing/2014/main" id="{898726F2-D865-4F98-949D-79AFB172A412}"/>
+              </a:ext>
+            </a:extLst>
+          </p:cNvPr>
+          <p:cNvCxnSpPr>
+            <a:cxnSpLocks/>
+          </p:cNvCxnSpPr>
+          <p:nvPr/>
+        </p:nvCxnSpPr>
+        <p:spPr>
+          <a:xfrm>
+            <a:off x="7996336" y="2625326"/>
+            <a:ext cx="0" cy="3706736"/>
+          </a:xfrm>
+          <a:prstGeom prst="line">
+            <a:avLst/>
+          </a:prstGeom>
+          <a:ln w="12700">
+            <a:solidFill>
+              <a:schemeClr val="tx1"/>
+            </a:solidFill>
+          </a:ln>
+        </p:spPr>
+        <p:style>
+          <a:lnRef idx="1">
+            <a:schemeClr val="accent1"/>
+          </a:lnRef>
+          <a:fillRef idx="0">
+            <a:schemeClr val="accent1"/>
+          </a:fillRef>
+          <a:effectRef idx="0">
+            <a:schemeClr val="accent1"/>
+          </a:effectRef>
+          <a:fontRef idx="minor">
+            <a:schemeClr val="tx1"/>
+          </a:fontRef>
+        </p:style>
+      </p:cxnSp>
+      <p:cxnSp>
+        <p:nvCxnSpPr>
+          <p:cNvPr id="162" name="직선 연결선 161">
+            <a:extLst>
+              <a:ext uri="{FF2B5EF4-FFF2-40B4-BE49-F238E27FC236}">
+                <a16:creationId xmlns:a16="http://schemas.microsoft.com/office/drawing/2014/main" id="{D8025BF8-F657-4C4A-A08F-7C7F35CBF01F}"/>
+              </a:ext>
+            </a:extLst>
+          </p:cNvPr>
+          <p:cNvCxnSpPr>
+            <a:cxnSpLocks/>
+          </p:cNvCxnSpPr>
+          <p:nvPr/>
+        </p:nvCxnSpPr>
+        <p:spPr>
+          <a:xfrm>
+            <a:off x="8456647" y="2625326"/>
+            <a:ext cx="0" cy="3706736"/>
+          </a:xfrm>
+          <a:prstGeom prst="line">
+            <a:avLst/>
+          </a:prstGeom>
+          <a:ln w="12700">
+            <a:solidFill>
+              <a:schemeClr val="tx1"/>
+            </a:solidFill>
+          </a:ln>
+        </p:spPr>
+        <p:style>
+          <a:lnRef idx="1">
+            <a:schemeClr val="accent1"/>
+          </a:lnRef>
+          <a:fillRef idx="0">
+            <a:schemeClr val="accent1"/>
+          </a:fillRef>
+          <a:effectRef idx="0">
+            <a:schemeClr val="accent1"/>
+          </a:effectRef>
+          <a:fontRef idx="minor">
+            <a:schemeClr val="tx1"/>
+          </a:fontRef>
+        </p:style>
+      </p:cxnSp>
+      <p:cxnSp>
+        <p:nvCxnSpPr>
+          <p:cNvPr id="163" name="직선 연결선 162">
+            <a:extLst>
+              <a:ext uri="{FF2B5EF4-FFF2-40B4-BE49-F238E27FC236}">
+                <a16:creationId xmlns:a16="http://schemas.microsoft.com/office/drawing/2014/main" id="{042DD5A1-D03D-472B-BE4C-26A50664D168}"/>
+              </a:ext>
+            </a:extLst>
+          </p:cNvPr>
+          <p:cNvCxnSpPr>
+            <a:cxnSpLocks/>
+          </p:cNvCxnSpPr>
+          <p:nvPr/>
+        </p:nvCxnSpPr>
+        <p:spPr>
+          <a:xfrm>
+            <a:off x="8935620" y="2634657"/>
+            <a:ext cx="0" cy="3706736"/>
+          </a:xfrm>
+          <a:prstGeom prst="line">
+            <a:avLst/>
+          </a:prstGeom>
+          <a:ln w="12700">
+            <a:solidFill>
+              <a:schemeClr val="tx1"/>
+            </a:solidFill>
+          </a:ln>
+        </p:spPr>
+        <p:style>
+          <a:lnRef idx="1">
+            <a:schemeClr val="accent1"/>
+          </a:lnRef>
+          <a:fillRef idx="0">
+            <a:schemeClr val="accent1"/>
+          </a:fillRef>
+          <a:effectRef idx="0">
+            <a:schemeClr val="accent1"/>
+          </a:effectRef>
+          <a:fontRef idx="minor">
+            <a:schemeClr val="tx1"/>
+          </a:fontRef>
+        </p:style>
+      </p:cxnSp>
+      <p:sp>
+        <p:nvSpPr>
+          <p:cNvPr id="164" name="타원 163">
+            <a:extLst>
+              <a:ext uri="{FF2B5EF4-FFF2-40B4-BE49-F238E27FC236}">
+                <a16:creationId xmlns:a16="http://schemas.microsoft.com/office/drawing/2014/main" id="{4F9232CB-8C05-4252-8555-2269554E3CA0}"/>
+              </a:ext>
+            </a:extLst>
+          </p:cNvPr>
+          <p:cNvSpPr/>
+          <p:nvPr/>
+        </p:nvSpPr>
+        <p:spPr>
+          <a:xfrm>
+            <a:off x="7996336" y="3060435"/>
+            <a:ext cx="2817845" cy="2752534"/>
+          </a:xfrm>
+          <a:prstGeom prst="ellipse">
+            <a:avLst/>
+          </a:prstGeom>
+          <a:noFill/>
+          <a:ln w="15875">
+            <a:solidFill>
+              <a:schemeClr val="tx1"/>
+            </a:solidFill>
+          </a:ln>
+        </p:spPr>
+        <p:style>
+          <a:lnRef idx="2">
+            <a:schemeClr val="accent1">
+              <a:shade val="50000"/>
+            </a:schemeClr>
+          </a:lnRef>
+          <a:fillRef idx="1">
+            <a:schemeClr val="accent1"/>
+          </a:fillRef>
+          <a:effectRef idx="0">
+            <a:schemeClr val="accent1"/>
+          </a:effectRef>
+          <a:fontRef idx="minor">
+            <a:schemeClr val="lt1"/>
+          </a:fontRef>
+        </p:style>
+        <p:txBody>
+          <a:bodyPr rtlCol="0" anchor="ctr"/>
+          <a:lstStyle/>
+          <a:p>
+            <a:pPr algn="ctr"/>
+            <a:endParaRPr lang="ko-KR" altLang="en-US"/>
+          </a:p>
+        </p:txBody>
+      </p:sp>
+      <p:sp>
+        <p:nvSpPr>
+          <p:cNvPr id="165" name="타원 164">
+            <a:extLst>
+              <a:ext uri="{FF2B5EF4-FFF2-40B4-BE49-F238E27FC236}">
+                <a16:creationId xmlns:a16="http://schemas.microsoft.com/office/drawing/2014/main" id="{FB973FEA-63E5-46B7-81BC-E73E9E745053}"/>
+              </a:ext>
+            </a:extLst>
+          </p:cNvPr>
+          <p:cNvSpPr/>
+          <p:nvPr/>
+        </p:nvSpPr>
+        <p:spPr>
+          <a:xfrm>
+            <a:off x="7907806" y="2948475"/>
+            <a:ext cx="2978850" cy="2976465"/>
+          </a:xfrm>
+          <a:prstGeom prst="ellipse">
+            <a:avLst/>
+          </a:prstGeom>
+          <a:noFill/>
+          <a:ln w="15875">
+            <a:solidFill>
+              <a:schemeClr val="tx1"/>
+            </a:solidFill>
+          </a:ln>
+        </p:spPr>
+        <p:style>
+          <a:lnRef idx="2">
+            <a:schemeClr val="accent1">
+              <a:shade val="50000"/>
+            </a:schemeClr>
+          </a:lnRef>
+          <a:fillRef idx="1">
+            <a:schemeClr val="accent1"/>
+          </a:fillRef>
+          <a:effectRef idx="0">
+            <a:schemeClr val="accent1"/>
+          </a:effectRef>
+          <a:fontRef idx="minor">
+            <a:schemeClr val="lt1"/>
+          </a:fontRef>
+        </p:style>
+        <p:txBody>
+          <a:bodyPr rtlCol="0" anchor="ctr"/>
+          <a:lstStyle/>
+          <a:p>
+            <a:pPr algn="ctr"/>
+            <a:endParaRPr lang="ko-KR" altLang="en-US"/>
+          </a:p>
+        </p:txBody>
+      </p:sp>
+      <p:pic>
+        <p:nvPicPr>
+          <p:cNvPr id="166" name="그림 165">
+            <a:extLst>
+              <a:ext uri="{FF2B5EF4-FFF2-40B4-BE49-F238E27FC236}">
+                <a16:creationId xmlns:a16="http://schemas.microsoft.com/office/drawing/2014/main" id="{EAF96360-F74B-4334-A8BB-9D786C2B85D0}"/>
+              </a:ext>
+            </a:extLst>
+          </p:cNvPr>
+          <p:cNvPicPr>
+            <a:picLocks noChangeAspect="1"/>
+          </p:cNvPicPr>
+          <p:nvPr/>
+        </p:nvPicPr>
+        <p:blipFill>
+          <a:blip r:embed="rId5"/>
+          <a:stretch>
+            <a:fillRect/>
+          </a:stretch>
+        </p:blipFill>
+        <p:spPr>
+          <a:xfrm>
+            <a:off x="3708802" y="3491388"/>
+            <a:ext cx="2654675" cy="2709752"/>
           </a:xfrm>
           <a:prstGeom prst="rect">
             <a:avLst/>
@@ -7148,6 +8196,65 @@
     <p:extLst>
       <p:ext uri="{BB962C8B-B14F-4D97-AF65-F5344CB8AC3E}">
         <p14:creationId xmlns:p14="http://schemas.microsoft.com/office/powerpoint/2010/main" val="2590274042"/>
+      </p:ext>
+    </p:extLst>
+  </p:cSld>
+  <p:clrMapOvr>
+    <a:masterClrMapping/>
+  </p:clrMapOvr>
+</p:sld>
+</file>
+
+<file path=ppt/slides/slide9.xml><?xml version="1.0" encoding="utf-8"?>
+<p:sld xmlns:a="http://schemas.openxmlformats.org/drawingml/2006/main" xmlns:r="http://schemas.openxmlformats.org/officeDocument/2006/relationships" xmlns:p="http://schemas.openxmlformats.org/presentationml/2006/main">
+  <p:cSld>
+    <p:spTree>
+      <p:nvGrpSpPr>
+        <p:cNvPr id="1" name=""/>
+        <p:cNvGrpSpPr/>
+        <p:nvPr/>
+      </p:nvGrpSpPr>
+      <p:grpSpPr>
+        <a:xfrm>
+          <a:off x="0" y="0"/>
+          <a:ext cx="0" cy="0"/>
+          <a:chOff x="0" y="0"/>
+          <a:chExt cx="0" cy="0"/>
+        </a:xfrm>
+      </p:grpSpPr>
+      <p:sp>
+        <p:nvSpPr>
+          <p:cNvPr id="2" name="제목 1">
+            <a:extLst>
+              <a:ext uri="{FF2B5EF4-FFF2-40B4-BE49-F238E27FC236}">
+                <a16:creationId xmlns:a16="http://schemas.microsoft.com/office/drawing/2014/main" id="{C7561BDA-2155-4678-8F7C-E44B1470BD17}"/>
+              </a:ext>
+            </a:extLst>
+          </p:cNvPr>
+          <p:cNvSpPr>
+            <a:spLocks noGrp="1"/>
+          </p:cNvSpPr>
+          <p:nvPr>
+            <p:ph type="title"/>
+          </p:nvPr>
+        </p:nvSpPr>
+        <p:spPr/>
+        <p:txBody>
+          <a:bodyPr/>
+          <a:lstStyle/>
+          <a:p>
+            <a:r>
+              <a:rPr lang="en-US" altLang="ko-KR" dirty="0"/>
+              <a:t>TFSF Calculation</a:t>
+            </a:r>
+            <a:endParaRPr lang="ko-KR" altLang="en-US" dirty="0"/>
+          </a:p>
+        </p:txBody>
+      </p:sp>
+    </p:spTree>
+    <p:extLst>
+      <p:ext uri="{BB962C8B-B14F-4D97-AF65-F5344CB8AC3E}">
+        <p14:creationId xmlns:p14="http://schemas.microsoft.com/office/powerpoint/2010/main" val="2836736382"/>
       </p:ext>
     </p:extLst>
   </p:cSld>
@@ -7453,15 +8560,6 @@
 </file>
 
 <file path=customXml/item1.xml><?xml version="1.0" encoding="utf-8"?>
-<?mso-contentType ?>
-<FormTemplates xmlns="http://schemas.microsoft.com/sharepoint/v3/contenttype/forms">
-  <Display>DocumentLibraryForm</Display>
-  <Edit>DocumentLibraryForm</Edit>
-  <New>DocumentLibraryForm</New>
-</FormTemplates>
-</file>
-
-<file path=customXml/item2.xml><?xml version="1.0" encoding="utf-8"?>
 <ct:contentTypeSchema xmlns:ct="http://schemas.microsoft.com/office/2006/metadata/contentType" xmlns:ma="http://schemas.microsoft.com/office/2006/metadata/properties/metaAttributes" ct:_="" ma:_="" ma:contentTypeName="문서" ma:contentTypeID="0x01010047D98FF7F23B5C4FA0C20AC7792436F7" ma:contentTypeVersion="10" ma:contentTypeDescription="새 문서를 만듭니다." ma:contentTypeScope="" ma:versionID="57972589a315c5a9a286c5deb98569af">
   <xsd:schema xmlns:xsd="http://www.w3.org/2001/XMLSchema" xmlns:xs="http://www.w3.org/2001/XMLSchema" xmlns:p="http://schemas.microsoft.com/office/2006/metadata/properties" xmlns:ns3="add3c42c-195b-40c4-8b04-f455d94feb0e" targetNamespace="http://schemas.microsoft.com/office/2006/metadata/properties" ma:root="true" ma:fieldsID="622818e10c1c9cfe9fbfa8bcc26b4b60" ns3:_="">
     <xsd:import namespace="add3c42c-195b-40c4-8b04-f455d94feb0e"/>
@@ -7645,6 +8743,15 @@
 </ct:contentTypeSchema>
 </file>
 
+<file path=customXml/item2.xml><?xml version="1.0" encoding="utf-8"?>
+<?mso-contentType ?>
+<FormTemplates xmlns="http://schemas.microsoft.com/sharepoint/v3/contenttype/forms">
+  <Display>DocumentLibraryForm</Display>
+  <Edit>DocumentLibraryForm</Edit>
+  <New>DocumentLibraryForm</New>
+</FormTemplates>
+</file>
+
 <file path=customXml/item3.xml><?xml version="1.0" encoding="utf-8"?>
 <p:properties xmlns:p="http://schemas.microsoft.com/office/2006/metadata/properties" xmlns:xsi="http://www.w3.org/2001/XMLSchema-instance" xmlns:pc="http://schemas.microsoft.com/office/infopath/2007/PartnerControls">
   <documentManagement/>
@@ -7652,14 +8759,6 @@
 </file>
 
 <file path=customXml/itemProps1.xml><?xml version="1.0" encoding="utf-8"?>
-<ds:datastoreItem xmlns:ds="http://schemas.openxmlformats.org/officeDocument/2006/customXml" ds:itemID="{F9C7D714-7832-488A-A0D1-090B1AA9F86F}">
-  <ds:schemaRefs>
-    <ds:schemaRef ds:uri="http://schemas.microsoft.com/sharepoint/v3/contenttype/forms"/>
-  </ds:schemaRefs>
-</ds:datastoreItem>
-</file>
-
-<file path=customXml/itemProps2.xml><?xml version="1.0" encoding="utf-8"?>
 <ds:datastoreItem xmlns:ds="http://schemas.openxmlformats.org/officeDocument/2006/customXml" ds:itemID="{4377415B-559F-43FE-8A6F-F21ED3C983CF}">
   <ds:schemaRefs>
     <ds:schemaRef ds:uri="http://schemas.microsoft.com/office/2006/metadata/contentType"/>
@@ -7673,6 +8772,14 @@
     <ds:schemaRef ds:uri="http://purl.org/dc/elements/1.1/"/>
     <ds:schemaRef ds:uri="http://purl.org/dc/terms/"/>
     <ds:schemaRef ds:uri="http://schemas.microsoft.com/internal/obd"/>
+  </ds:schemaRefs>
+</ds:datastoreItem>
+</file>
+
+<file path=customXml/itemProps2.xml><?xml version="1.0" encoding="utf-8"?>
+<ds:datastoreItem xmlns:ds="http://schemas.openxmlformats.org/officeDocument/2006/customXml" ds:itemID="{F9C7D714-7832-488A-A0D1-090B1AA9F86F}">
+  <ds:schemaRefs>
+    <ds:schemaRef ds:uri="http://schemas.microsoft.com/sharepoint/v3/contenttype/forms"/>
   </ds:schemaRefs>
 </ds:datastoreItem>
 </file>
